--- a/slides.pptx
+++ b/slides.pptx
@@ -290,7 +290,7 @@
           <a:p>
             <a:fld id="{F5D67128-0ED3-F84C-AB75-26956BD6F773}" type="datetimeFigureOut">
               <a:rPr lang="en-US" smtClean="0"/>
-              <a:t>5/26/21</a:t>
+              <a:t>8/29/2021</a:t>
             </a:fld>
             <a:endParaRPr lang="en-US"/>
           </a:p>
@@ -467,7 +467,7 @@
           <a:p>
             <a:fld id="{9E65F564-29A8-0243-B41B-CCCF740F82F1}" type="datetimeFigureOut">
               <a:rPr lang="en-US" smtClean="0"/>
-              <a:t>5/26/21</a:t>
+              <a:t>8/29/2021</a:t>
             </a:fld>
             <a:endParaRPr lang="en-US"/>
           </a:p>
@@ -905,7 +905,7 @@
           <a:p>
             <a:fld id="{D18B56EA-E28F-4F92-9F16-7A6F2501B303}" type="datetime8">
               <a:rPr lang="en-US" smtClean="0"/>
-              <a:t>5/26/21 6:04 PM</a:t>
+              <a:t>8/29/2021 11:06 AM</a:t>
             </a:fld>
             <a:endParaRPr lang="en-US" dirty="0"/>
           </a:p>
@@ -1086,7 +1086,7 @@
           <a:p>
             <a:fld id="{D18B56EA-E28F-4F92-9F16-7A6F2501B303}" type="datetime8">
               <a:rPr lang="en-US" smtClean="0"/>
-              <a:t>5/26/21 6:04 PM</a:t>
+              <a:t>8/29/2021 11:06 AM</a:t>
             </a:fld>
             <a:endParaRPr lang="en-US" dirty="0"/>
           </a:p>
@@ -1267,7 +1267,7 @@
           <a:p>
             <a:fld id="{D18B56EA-E28F-4F92-9F16-7A6F2501B303}" type="datetime8">
               <a:rPr lang="en-US" smtClean="0"/>
-              <a:t>5/26/21 6:04 PM</a:t>
+              <a:t>8/29/2021 11:06 AM</a:t>
             </a:fld>
             <a:endParaRPr lang="en-US" dirty="0"/>
           </a:p>
@@ -1480,7 +1480,7 @@
           <a:p>
             <a:fld id="{D18B56EA-E28F-4F92-9F16-7A6F2501B303}" type="datetime8">
               <a:rPr lang="en-US" smtClean="0"/>
-              <a:t>5/26/21 6:04 PM</a:t>
+              <a:t>8/29/2021 11:06 AM</a:t>
             </a:fld>
             <a:endParaRPr lang="en-US" dirty="0"/>
           </a:p>
@@ -1682,7 +1682,7 @@
           <a:p>
             <a:fld id="{D18B56EA-E28F-4F92-9F16-7A6F2501B303}" type="datetime8">
               <a:rPr lang="en-US" smtClean="0"/>
-              <a:t>5/26/21 6:04 PM</a:t>
+              <a:t>8/29/2021 11:06 AM</a:t>
             </a:fld>
             <a:endParaRPr lang="en-US" dirty="0"/>
           </a:p>
@@ -1904,7 +1904,7 @@
           <a:p>
             <a:fld id="{D18B56EA-E28F-4F92-9F16-7A6F2501B303}" type="datetime8">
               <a:rPr lang="en-US" smtClean="0"/>
-              <a:t>5/26/21 6:04 PM</a:t>
+              <a:t>8/29/2021 11:06 AM</a:t>
             </a:fld>
             <a:endParaRPr lang="en-US" dirty="0"/>
           </a:p>
@@ -2126,7 +2126,7 @@
           <a:p>
             <a:fld id="{D18B56EA-E28F-4F92-9F16-7A6F2501B303}" type="datetime8">
               <a:rPr lang="en-US" smtClean="0"/>
-              <a:t>5/26/21 6:04 PM</a:t>
+              <a:t>8/29/2021 11:06 AM</a:t>
             </a:fld>
             <a:endParaRPr lang="en-US" dirty="0"/>
           </a:p>
@@ -2313,7 +2313,7 @@
           <a:p>
             <a:fld id="{D18B56EA-E28F-4F92-9F16-7A6F2501B303}" type="datetime8">
               <a:rPr lang="en-US" smtClean="0"/>
-              <a:t>5/26/21 6:04 PM</a:t>
+              <a:t>8/29/2021 11:06 AM</a:t>
             </a:fld>
             <a:endParaRPr lang="en-US" dirty="0"/>
           </a:p>
@@ -2584,7 +2584,7 @@
           <a:p>
             <a:fld id="{D18B56EA-E28F-4F92-9F16-7A6F2501B303}" type="datetime8">
               <a:rPr lang="en-US" smtClean="0"/>
-              <a:t>5/26/21 6:04 PM</a:t>
+              <a:t>8/29/2021 11:06 AM</a:t>
             </a:fld>
             <a:endParaRPr lang="en-US" dirty="0"/>
           </a:p>
@@ -2816,7 +2816,7 @@
           <a:p>
             <a:fld id="{D18B56EA-E28F-4F92-9F16-7A6F2501B303}" type="datetime8">
               <a:rPr lang="en-US" smtClean="0"/>
-              <a:t>5/26/21 6:04 PM</a:t>
+              <a:t>8/29/2021 11:06 AM</a:t>
             </a:fld>
             <a:endParaRPr lang="en-US" dirty="0"/>
           </a:p>
@@ -3021,7 +3021,7 @@
           <a:p>
             <a:fld id="{D18B56EA-E28F-4F92-9F16-7A6F2501B303}" type="datetime8">
               <a:rPr lang="en-US" smtClean="0"/>
-              <a:t>5/26/21 6:04 PM</a:t>
+              <a:t>8/29/2021 11:06 AM</a:t>
             </a:fld>
             <a:endParaRPr lang="en-US" dirty="0"/>
           </a:p>
@@ -3294,7 +3294,7 @@
                 <a:tabLst/>
                 <a:defRPr/>
               </a:pPr>
-              <a:t>5/26/21</a:t>
+              <a:t>8/29/2021</a:t>
             </a:fld>
             <a:endParaRPr kumimoji="0" lang="en-US" sz="1800" b="0" i="0" u="none" strike="noStrike" kern="0" cap="none" spc="0" normalizeH="0" baseline="0" noProof="0" dirty="0">
               <a:ln>
@@ -3570,7 +3570,7 @@
           <a:p>
             <a:fld id="{D18B56EA-E28F-4F92-9F16-7A6F2501B303}" type="datetime8">
               <a:rPr lang="en-US" smtClean="0"/>
-              <a:t>5/26/21 6:04 PM</a:t>
+              <a:t>8/29/2021 11:06 AM</a:t>
             </a:fld>
             <a:endParaRPr lang="en-US" dirty="0"/>
           </a:p>
@@ -3781,7 +3781,7 @@
           <a:p>
             <a:fld id="{D18B56EA-E28F-4F92-9F16-7A6F2501B303}" type="datetime8">
               <a:rPr lang="en-US" smtClean="0"/>
-              <a:t>5/26/21 6:04 PM</a:t>
+              <a:t>8/29/2021 11:06 AM</a:t>
             </a:fld>
             <a:endParaRPr lang="en-US" dirty="0"/>
           </a:p>
@@ -3962,7 +3962,7 @@
           <a:p>
             <a:fld id="{D18B56EA-E28F-4F92-9F16-7A6F2501B303}" type="datetime8">
               <a:rPr lang="en-US" smtClean="0"/>
-              <a:t>5/26/21 6:04 PM</a:t>
+              <a:t>8/29/2021 11:06 AM</a:t>
             </a:fld>
             <a:endParaRPr lang="en-US" dirty="0"/>
           </a:p>
@@ -4181,7 +4181,7 @@
           <a:p>
             <a:fld id="{D18B56EA-E28F-4F92-9F16-7A6F2501B303}" type="datetime8">
               <a:rPr lang="en-US" smtClean="0"/>
-              <a:t>5/26/21 6:04 PM</a:t>
+              <a:t>8/29/2021 11:06 AM</a:t>
             </a:fld>
             <a:endParaRPr lang="en-US" dirty="0"/>
           </a:p>
@@ -4408,7 +4408,7 @@
           <a:p>
             <a:fld id="{D18B56EA-E28F-4F92-9F16-7A6F2501B303}" type="datetime8">
               <a:rPr lang="en-US" smtClean="0"/>
-              <a:t>5/26/21 6:04 PM</a:t>
+              <a:t>8/29/2021 11:06 AM</a:t>
             </a:fld>
             <a:endParaRPr lang="en-US" dirty="0"/>
           </a:p>
@@ -4631,7 +4631,7 @@
           <a:p>
             <a:fld id="{D18B56EA-E28F-4F92-9F16-7A6F2501B303}" type="datetime8">
               <a:rPr lang="en-US" smtClean="0"/>
-              <a:t>5/26/21 6:04 PM</a:t>
+              <a:t>8/29/2021 11:06 AM</a:t>
             </a:fld>
             <a:endParaRPr lang="en-US" dirty="0"/>
           </a:p>
@@ -4823,7 +4823,7 @@
           <a:p>
             <a:fld id="{D18B56EA-E28F-4F92-9F16-7A6F2501B303}" type="datetime8">
               <a:rPr lang="en-US" smtClean="0"/>
-              <a:t>5/26/21 6:04 PM</a:t>
+              <a:t>8/29/2021 11:06 AM</a:t>
             </a:fld>
             <a:endParaRPr lang="en-US" dirty="0"/>
           </a:p>
@@ -4988,7 +4988,7 @@
           <a:p>
             <a:fld id="{E74353ED-ACB2-44BF-A903-985B0AF962B7}" type="datetime1">
               <a:rPr lang="en-US" smtClean="0"/>
-              <a:t>5/26/21</a:t>
+              <a:t>8/29/2021</a:t>
             </a:fld>
             <a:endParaRPr lang="en-US" dirty="0"/>
           </a:p>
@@ -5193,7 +5193,7 @@
           <a:p>
             <a:fld id="{D18B56EA-E28F-4F92-9F16-7A6F2501B303}" type="datetime8">
               <a:rPr lang="en-US" smtClean="0"/>
-              <a:t>5/26/21 6:04 PM</a:t>
+              <a:t>8/29/2021 11:06 AM</a:t>
             </a:fld>
             <a:endParaRPr lang="en-US" dirty="0"/>
           </a:p>
@@ -5398,7 +5398,7 @@
           <a:p>
             <a:fld id="{D18B56EA-E28F-4F92-9F16-7A6F2501B303}" type="datetime8">
               <a:rPr lang="en-US" smtClean="0"/>
-              <a:t>5/26/21 6:04 PM</a:t>
+              <a:t>8/29/2021 11:06 AM</a:t>
             </a:fld>
             <a:endParaRPr lang="en-US" dirty="0"/>
           </a:p>
@@ -17075,6 +17075,13 @@
           <a:prstGeom prst="rect">
             <a:avLst/>
           </a:prstGeom>
+          <a:ln>
+            <a:solidFill>
+              <a:schemeClr val="bg1">
+                <a:lumMod val="65000"/>
+              </a:schemeClr>
+            </a:solidFill>
+          </a:ln>
         </p:spPr>
       </p:pic>
       <p:pic>
@@ -17105,6 +17112,13 @@
           <a:prstGeom prst="rect">
             <a:avLst/>
           </a:prstGeom>
+          <a:ln>
+            <a:solidFill>
+              <a:schemeClr val="bg1">
+                <a:lumMod val="65000"/>
+              </a:schemeClr>
+            </a:solidFill>
+          </a:ln>
         </p:spPr>
       </p:pic>
       <p:pic>
@@ -17167,6 +17181,66 @@
           <a:chExt cx="0" cy="0"/>
         </a:xfrm>
       </p:grpSpPr>
+      <p:pic>
+        <p:nvPicPr>
+          <p:cNvPr id="212" name="Picture 211">
+            <a:extLst>
+              <a:ext uri="{FF2B5EF4-FFF2-40B4-BE49-F238E27FC236}">
+                <a16:creationId xmlns:a16="http://schemas.microsoft.com/office/drawing/2014/main" id="{D9DFABF8-2F57-4104-8E05-44B6BAB026D1}"/>
+              </a:ext>
+            </a:extLst>
+          </p:cNvPr>
+          <p:cNvPicPr>
+            <a:picLocks noChangeAspect="1"/>
+          </p:cNvPicPr>
+          <p:nvPr/>
+        </p:nvPicPr>
+        <p:blipFill>
+          <a:blip r:embed="rId3"/>
+          <a:stretch>
+            <a:fillRect/>
+          </a:stretch>
+        </p:blipFill>
+        <p:spPr>
+          <a:xfrm>
+            <a:off x="679935" y="3648756"/>
+            <a:ext cx="3874252" cy="2499616"/>
+          </a:xfrm>
+          <a:prstGeom prst="rect">
+            <a:avLst/>
+          </a:prstGeom>
+        </p:spPr>
+      </p:pic>
+      <p:pic>
+        <p:nvPicPr>
+          <p:cNvPr id="2" name="Picture 1">
+            <a:extLst>
+              <a:ext uri="{FF2B5EF4-FFF2-40B4-BE49-F238E27FC236}">
+                <a16:creationId xmlns:a16="http://schemas.microsoft.com/office/drawing/2014/main" id="{486ED0BE-EAF3-4711-B737-DE94A42671EA}"/>
+              </a:ext>
+            </a:extLst>
+          </p:cNvPr>
+          <p:cNvPicPr>
+            <a:picLocks noChangeAspect="1"/>
+          </p:cNvPicPr>
+          <p:nvPr/>
+        </p:nvPicPr>
+        <p:blipFill>
+          <a:blip r:embed="rId4"/>
+          <a:stretch>
+            <a:fillRect/>
+          </a:stretch>
+        </p:blipFill>
+        <p:spPr>
+          <a:xfrm>
+            <a:off x="835397" y="3772131"/>
+            <a:ext cx="2949829" cy="1653470"/>
+          </a:xfrm>
+          <a:prstGeom prst="rect">
+            <a:avLst/>
+          </a:prstGeom>
+        </p:spPr>
+      </p:pic>
       <p:sp>
         <p:nvSpPr>
           <p:cNvPr id="5" name="Title 4">
@@ -28399,36 +28473,6 @@
       </p:grpSp>
       <p:pic>
         <p:nvPicPr>
-          <p:cNvPr id="212" name="Picture 211">
-            <a:extLst>
-              <a:ext uri="{FF2B5EF4-FFF2-40B4-BE49-F238E27FC236}">
-                <a16:creationId xmlns:a16="http://schemas.microsoft.com/office/drawing/2014/main" id="{D9DFABF8-2F57-4104-8E05-44B6BAB026D1}"/>
-              </a:ext>
-            </a:extLst>
-          </p:cNvPr>
-          <p:cNvPicPr>
-            <a:picLocks noChangeAspect="1"/>
-          </p:cNvPicPr>
-          <p:nvPr/>
-        </p:nvPicPr>
-        <p:blipFill>
-          <a:blip r:embed="rId3"/>
-          <a:stretch>
-            <a:fillRect/>
-          </a:stretch>
-        </p:blipFill>
-        <p:spPr>
-          <a:xfrm>
-            <a:off x="679935" y="3648756"/>
-            <a:ext cx="3874252" cy="2499616"/>
-          </a:xfrm>
-          <a:prstGeom prst="rect">
-            <a:avLst/>
-          </a:prstGeom>
-        </p:spPr>
-      </p:pic>
-      <p:pic>
-        <p:nvPicPr>
           <p:cNvPr id="11" name="Picture 10">
             <a:extLst>
               <a:ext uri="{FF2B5EF4-FFF2-40B4-BE49-F238E27FC236}">
@@ -28442,7 +28486,7 @@
           <p:nvPr/>
         </p:nvPicPr>
         <p:blipFill>
-          <a:blip r:embed="rId4">
+          <a:blip r:embed="rId5">
             <a:duotone>
               <a:prstClr val="black"/>
               <a:schemeClr val="tx2">
@@ -28876,35 +28920,6 @@
           </a:fontRef>
         </p:style>
       </p:cxnSp>
-      <p:pic>
-        <p:nvPicPr>
-          <p:cNvPr id="3" name="Picture 2">
-            <a:extLst>
-              <a:ext uri="{FF2B5EF4-FFF2-40B4-BE49-F238E27FC236}">
-                <a16:creationId xmlns:a16="http://schemas.microsoft.com/office/drawing/2014/main" id="{626CF277-A6E2-0444-8BEC-BA0DE377BA1E}"/>
-              </a:ext>
-            </a:extLst>
-          </p:cNvPr>
-          <p:cNvPicPr>
-            <a:picLocks noChangeAspect="1"/>
-          </p:cNvPicPr>
-          <p:nvPr/>
-        </p:nvPicPr>
-        <p:blipFill rotWithShape="1">
-          <a:blip r:embed="rId5"/>
-          <a:srcRect r="18851"/>
-          <a:stretch/>
-        </p:blipFill>
-        <p:spPr>
-          <a:xfrm>
-            <a:off x="828790" y="3784924"/>
-            <a:ext cx="2967926" cy="1475782"/>
-          </a:xfrm>
-          <a:prstGeom prst="rect">
-            <a:avLst/>
-          </a:prstGeom>
-        </p:spPr>
-      </p:pic>
     </p:spTree>
     <p:extLst>
       <p:ext uri="{BB962C8B-B14F-4D97-AF65-F5344CB8AC3E}">
@@ -40828,20 +40843,20 @@
 </file>
 
 <file path=customXml/item1.xml><?xml version="1.0" encoding="utf-8"?>
-<p:properties xmlns:p="http://schemas.microsoft.com/office/2006/metadata/properties" xmlns:xsi="http://www.w3.org/2001/XMLSchema-instance" xmlns:pc="http://schemas.microsoft.com/office/infopath/2007/PartnerControls">
-  <documentManagement>
-    <MediaServiceKeyPoints xmlns="61b79488-63fd-46f4-b1bf-09cb63d2085e" xsi:nil="true"/>
-  </documentManagement>
-</p:properties>
-</file>
-
-<file path=customXml/item2.xml><?xml version="1.0" encoding="utf-8"?>
 <?mso-contentType ?>
 <FormTemplates xmlns="http://schemas.microsoft.com/sharepoint/v3/contenttype/forms">
   <Display>DocumentLibraryForm</Display>
   <Edit>DocumentLibraryForm</Edit>
   <New>DocumentLibraryForm</New>
 </FormTemplates>
+</file>
+
+<file path=customXml/item2.xml><?xml version="1.0" encoding="utf-8"?>
+<p:properties xmlns:p="http://schemas.microsoft.com/office/2006/metadata/properties" xmlns:xsi="http://www.w3.org/2001/XMLSchema-instance" xmlns:pc="http://schemas.microsoft.com/office/infopath/2007/PartnerControls">
+  <documentManagement>
+    <MediaServiceKeyPoints xmlns="61b79488-63fd-46f4-b1bf-09cb63d2085e" xsi:nil="true"/>
+  </documentManagement>
+</p:properties>
 </file>
 
 <file path=customXml/item3.xml><?xml version="1.0" encoding="utf-8"?>
@@ -41017,6 +41032,14 @@
 </file>
 
 <file path=customXml/itemProps1.xml><?xml version="1.0" encoding="utf-8"?>
+<ds:datastoreItem xmlns:ds="http://schemas.openxmlformats.org/officeDocument/2006/customXml" ds:itemID="{4875BE8C-CB08-400E-A21F-2497FF16C77B}">
+  <ds:schemaRefs>
+    <ds:schemaRef ds:uri="http://schemas.microsoft.com/sharepoint/v3/contenttype/forms"/>
+  </ds:schemaRefs>
+</ds:datastoreItem>
+</file>
+
+<file path=customXml/itemProps2.xml><?xml version="1.0" encoding="utf-8"?>
 <ds:datastoreItem xmlns:ds="http://schemas.openxmlformats.org/officeDocument/2006/customXml" ds:itemID="{56E9BD92-A245-451A-82D6-41724A6593BA}">
   <ds:schemaRefs>
     <ds:schemaRef ds:uri="http://purl.org/dc/elements/1.1/"/>
@@ -41028,14 +41051,6 @@
     <ds:schemaRef ds:uri="http://schemas.microsoft.com/office/2006/metadata/properties"/>
     <ds:schemaRef ds:uri="http://www.w3.org/XML/1998/namespace"/>
     <ds:schemaRef ds:uri="61b79488-63fd-46f4-b1bf-09cb63d2085e"/>
-  </ds:schemaRefs>
-</ds:datastoreItem>
-</file>
-
-<file path=customXml/itemProps2.xml><?xml version="1.0" encoding="utf-8"?>
-<ds:datastoreItem xmlns:ds="http://schemas.openxmlformats.org/officeDocument/2006/customXml" ds:itemID="{4875BE8C-CB08-400E-A21F-2497FF16C77B}">
-  <ds:schemaRefs>
-    <ds:schemaRef ds:uri="http://schemas.microsoft.com/sharepoint/v3/contenttype/forms"/>
   </ds:schemaRefs>
 </ds:datastoreItem>
 </file>
